--- a/Presentations/info final presentation.pptx
+++ b/Presentations/info final presentation.pptx
@@ -15,7 +15,7 @@
     <p:sldId id="262" r:id="rId3"/>
     <p:sldId id="263" r:id="rId4"/>
     <p:sldId id="281" r:id="rId5"/>
-    <p:sldId id="282" r:id="rId6"/>
+    <p:sldId id="283" r:id="rId6"/>
     <p:sldId id="266" r:id="rId7"/>
     <p:sldId id="264" r:id="rId8"/>
     <p:sldId id="278" r:id="rId9"/>
@@ -1033,7 +1033,7 @@
     </p:spTree>
     <p:extLst>
       <p:ext uri="{BB962C8B-B14F-4D97-AF65-F5344CB8AC3E}">
-        <p14:creationId xmlns:p14="http://schemas.microsoft.com/office/powerpoint/2010/main" val="3164445560"/>
+        <p14:creationId xmlns:p14="http://schemas.microsoft.com/office/powerpoint/2010/main" val="1516678131"/>
       </p:ext>
     </p:extLst>
   </p:cSld>
@@ -6361,7 +6361,7 @@
         <p:spPr/>
         <p:txBody>
           <a:bodyPr>
-            <a:normAutofit/>
+            <a:normAutofit fontScale="92500" lnSpcReduction="10000"/>
           </a:bodyPr>
           <a:lstStyle/>
           <a:p>
@@ -6441,11 +6441,13 @@
               <a:rPr lang="nl-BE" dirty="0" err="1"/>
               <a:t>alternatives</a:t>
             </a:r>
-            <a:endParaRPr lang="en-US" dirty="0"/>
-          </a:p>
-          <a:p>
-            <a:pPr lvl="1"/>
-            <a:endParaRPr lang="en-US" dirty="0"/>
+            <a:endParaRPr lang="nl-BE" dirty="0"/>
+          </a:p>
+          <a:p>
+            <a:pPr marL="0" indent="0">
+              <a:buNone/>
+            </a:pPr>
+            <a:endParaRPr lang="nl-BE" dirty="0"/>
           </a:p>
           <a:p>
             <a:pPr lvl="1">
@@ -6476,6 +6478,71 @@
               <a:rPr lang="en-US" dirty="0"/>
               <a:t>   Is it faster/easier than using the car?</a:t>
             </a:r>
+          </a:p>
+          <a:p>
+            <a:pPr marL="457200" lvl="1" indent="0">
+              <a:buNone/>
+            </a:pPr>
+            <a:endParaRPr lang="nl-BE" dirty="0"/>
+          </a:p>
+          <a:p>
+            <a:r>
+              <a:rPr lang="nl-BE" dirty="0"/>
+              <a:t>Goal: </a:t>
+            </a:r>
+            <a:r>
+              <a:rPr lang="nl-BE" dirty="0" err="1"/>
+              <a:t>developing</a:t>
+            </a:r>
+            <a:r>
+              <a:rPr lang="nl-BE" dirty="0"/>
+              <a:t> a tool </a:t>
+            </a:r>
+            <a:r>
+              <a:rPr lang="nl-BE" dirty="0" err="1"/>
+              <a:t>for</a:t>
+            </a:r>
+            <a:r>
+              <a:rPr lang="nl-BE" dirty="0"/>
+              <a:t> </a:t>
+            </a:r>
+            <a:r>
+              <a:rPr lang="nl-BE" dirty="0" err="1"/>
+              <a:t>environmental</a:t>
+            </a:r>
+            <a:r>
+              <a:rPr lang="nl-BE" dirty="0"/>
+              <a:t> </a:t>
+            </a:r>
+            <a:r>
+              <a:rPr lang="nl-BE" dirty="0" err="1"/>
+              <a:t>city</a:t>
+            </a:r>
+            <a:r>
+              <a:rPr lang="nl-BE" dirty="0"/>
+              <a:t> planning </a:t>
+            </a:r>
+            <a:endParaRPr lang="en-US" dirty="0"/>
+          </a:p>
+          <a:p>
+            <a:pPr lvl="1"/>
+            <a:endParaRPr lang="en-US" dirty="0"/>
+          </a:p>
+          <a:p>
+            <a:pPr marL="457200" lvl="1" indent="0">
+              <a:buNone/>
+            </a:pPr>
+            <a:r>
+              <a:rPr lang="en-US" dirty="0"/>
+              <a:t>  </a:t>
+            </a:r>
+          </a:p>
+          <a:p>
+            <a:pPr lvl="1">
+              <a:buFont typeface="Courier New" panose="02070309020205020404" pitchFamily="49" charset="0"/>
+              <a:buChar char="o"/>
+            </a:pPr>
+            <a:endParaRPr lang="en-US" dirty="0"/>
           </a:p>
           <a:p>
             <a:pPr marL="0" indent="0">
@@ -6642,7 +6709,7 @@
         <p:spPr/>
         <p:txBody>
           <a:bodyPr>
-            <a:normAutofit/>
+            <a:normAutofit fontScale="92500" lnSpcReduction="10000"/>
           </a:bodyPr>
           <a:lstStyle/>
           <a:p>
@@ -6722,11 +6789,13 @@
               <a:rPr lang="nl-BE" dirty="0" err="1"/>
               <a:t>alternatives</a:t>
             </a:r>
-            <a:endParaRPr lang="en-US" dirty="0"/>
-          </a:p>
-          <a:p>
-            <a:pPr lvl="1"/>
-            <a:endParaRPr lang="en-US" dirty="0"/>
+            <a:endParaRPr lang="nl-BE" dirty="0"/>
+          </a:p>
+          <a:p>
+            <a:pPr marL="0" indent="0">
+              <a:buNone/>
+            </a:pPr>
+            <a:endParaRPr lang="nl-BE" dirty="0"/>
           </a:p>
           <a:p>
             <a:pPr lvl="1">
@@ -6734,12 +6803,8 @@
               <a:buChar char="o"/>
             </a:pPr>
             <a:r>
-              <a:rPr lang="en-US" dirty="0"/>
-              <a:t>   </a:t>
-            </a:r>
-            <a:r>
               <a:rPr lang="en-US" strike="sngStrike" dirty="0"/>
-              <a:t>For what purpose do people use their bike downtown?</a:t>
+              <a:t>   For what purpose do people use their bike downtown?</a:t>
             </a:r>
           </a:p>
           <a:p>
@@ -6761,6 +6826,71 @@
               <a:rPr lang="en-US" dirty="0"/>
               <a:t>   Is it faster/easier than using the car?</a:t>
             </a:r>
+          </a:p>
+          <a:p>
+            <a:pPr marL="457200" lvl="1" indent="0">
+              <a:buNone/>
+            </a:pPr>
+            <a:endParaRPr lang="nl-BE" dirty="0"/>
+          </a:p>
+          <a:p>
+            <a:r>
+              <a:rPr lang="nl-BE" dirty="0"/>
+              <a:t>Goal: </a:t>
+            </a:r>
+            <a:r>
+              <a:rPr lang="nl-BE" dirty="0" err="1"/>
+              <a:t>developing</a:t>
+            </a:r>
+            <a:r>
+              <a:rPr lang="nl-BE" dirty="0"/>
+              <a:t> a tool </a:t>
+            </a:r>
+            <a:r>
+              <a:rPr lang="nl-BE" dirty="0" err="1"/>
+              <a:t>for</a:t>
+            </a:r>
+            <a:r>
+              <a:rPr lang="nl-BE" dirty="0"/>
+              <a:t> </a:t>
+            </a:r>
+            <a:r>
+              <a:rPr lang="nl-BE" dirty="0" err="1"/>
+              <a:t>environmental</a:t>
+            </a:r>
+            <a:r>
+              <a:rPr lang="nl-BE" dirty="0"/>
+              <a:t> </a:t>
+            </a:r>
+            <a:r>
+              <a:rPr lang="nl-BE" dirty="0" err="1"/>
+              <a:t>city</a:t>
+            </a:r>
+            <a:r>
+              <a:rPr lang="nl-BE" dirty="0"/>
+              <a:t> planning </a:t>
+            </a:r>
+            <a:endParaRPr lang="en-US" dirty="0"/>
+          </a:p>
+          <a:p>
+            <a:pPr lvl="1"/>
+            <a:endParaRPr lang="en-US" dirty="0"/>
+          </a:p>
+          <a:p>
+            <a:pPr marL="457200" lvl="1" indent="0">
+              <a:buNone/>
+            </a:pPr>
+            <a:r>
+              <a:rPr lang="en-US" dirty="0"/>
+              <a:t>  </a:t>
+            </a:r>
+          </a:p>
+          <a:p>
+            <a:pPr lvl="1">
+              <a:buFont typeface="Courier New" panose="02070309020205020404" pitchFamily="49" charset="0"/>
+              <a:buChar char="o"/>
+            </a:pPr>
+            <a:endParaRPr lang="en-US" dirty="0"/>
           </a:p>
           <a:p>
             <a:pPr marL="0" indent="0">
@@ -6849,12 +6979,7 @@
             <p:ph type="title"/>
           </p:nvPr>
         </p:nvSpPr>
-        <p:spPr>
-          <a:xfrm>
-            <a:off x="576000" y="216000"/>
-            <a:ext cx="11041200" cy="1152000"/>
-          </a:xfrm>
-        </p:spPr>
+        <p:spPr/>
         <p:txBody>
           <a:bodyPr/>
           <a:lstStyle/>
@@ -6886,7 +7011,7 @@
     </p:spTree>
     <p:extLst>
       <p:ext uri="{BB962C8B-B14F-4D97-AF65-F5344CB8AC3E}">
-        <p14:creationId xmlns:p14="http://schemas.microsoft.com/office/powerpoint/2010/main" val="660255019"/>
+        <p14:creationId xmlns:p14="http://schemas.microsoft.com/office/powerpoint/2010/main" val="604457426"/>
       </p:ext>
     </p:extLst>
   </p:cSld>

--- a/Presentations/info final presentation.pptx
+++ b/Presentations/info final presentation.pptx
@@ -7832,7 +7832,9 @@
         </p:nvSpPr>
         <p:spPr/>
         <p:txBody>
-          <a:bodyPr/>
+          <a:bodyPr>
+            <a:normAutofit/>
+          </a:bodyPr>
           <a:lstStyle/>
           <a:p>
             <a:r>
@@ -7861,7 +7863,7 @@
           <a:p>
             <a:r>
               <a:rPr lang="en-US" dirty="0"/>
-              <a:t>When using colors, paying attention to the color schemes is important for </a:t>
+              <a:t>When using colors, paying attention to the color schemes is important for colorblind people</a:t>
             </a:r>
           </a:p>
           <a:p>
@@ -7883,18 +7885,6 @@
               <a:rPr lang="en-GB" dirty="0"/>
               <a:t> the interface simple and clear to the user</a:t>
             </a:r>
-          </a:p>
-          <a:p>
-            <a:endParaRPr lang="en-US" dirty="0"/>
-          </a:p>
-          <a:p>
-            <a:endParaRPr lang="en-US" dirty="0"/>
-          </a:p>
-          <a:p>
-            <a:pPr marL="0" indent="0">
-              <a:buNone/>
-            </a:pPr>
-            <a:endParaRPr lang="en-US" dirty="0"/>
           </a:p>
         </p:txBody>
       </p:sp>
